--- a/githubactions.pptx
+++ b/githubactions.pptx
@@ -6,9 +6,12 @@
   </p:sldMasterIdLst>
   <p:sldIdLst>
     <p:sldId id="256" r:id="rId2"/>
-    <p:sldId id="257" r:id="rId3"/>
+    <p:sldId id="261" r:id="rId3"/>
     <p:sldId id="258" r:id="rId4"/>
-    <p:sldId id="259" r:id="rId5"/>
+    <p:sldId id="260" r:id="rId5"/>
+    <p:sldId id="262" r:id="rId6"/>
+    <p:sldId id="263" r:id="rId7"/>
+    <p:sldId id="264" r:id="rId8"/>
   </p:sldIdLst>
   <p:sldSz cx="12192000" cy="6858000"/>
   <p:notesSz cx="6858000" cy="9144000"/>
@@ -107,6 +110,11 @@
       </a:defRPr>
     </a:lvl9pPr>
   </p:defaultTextStyle>
+  <p:extLst>
+    <p:ext uri="{EFAFB233-063F-42B5-8137-9DF3F51BA10A}">
+      <p15:sldGuideLst xmlns:p15="http://schemas.microsoft.com/office/powerpoint/2012/main"/>
+    </p:ext>
+  </p:extLst>
 </p:presentation>
 </file>
 
@@ -832,7 +840,7 @@
           <a:p>
             <a:fld id="{34A7A147-D8E2-44F6-BAC2-8F18F015FB8D}" type="datetimeFigureOut">
               <a:rPr lang="en-IN" smtClean="0"/>
-              <a:t>10-08-2023</a:t>
+              <a:t>18-08-2023</a:t>
             </a:fld>
             <a:endParaRPr lang="en-IN"/>
           </a:p>
@@ -1083,7 +1091,7 @@
           <a:p>
             <a:fld id="{34A7A147-D8E2-44F6-BAC2-8F18F015FB8D}" type="datetimeFigureOut">
               <a:rPr lang="en-IN" smtClean="0"/>
-              <a:t>10-08-2023</a:t>
+              <a:t>18-08-2023</a:t>
             </a:fld>
             <a:endParaRPr lang="en-IN"/>
           </a:p>
@@ -1397,7 +1405,7 @@
           <a:p>
             <a:fld id="{34A7A147-D8E2-44F6-BAC2-8F18F015FB8D}" type="datetimeFigureOut">
               <a:rPr lang="en-IN" smtClean="0"/>
-              <a:t>10-08-2023</a:t>
+              <a:t>18-08-2023</a:t>
             </a:fld>
             <a:endParaRPr lang="en-IN"/>
           </a:p>
@@ -1738,7 +1746,7 @@
           <a:p>
             <a:fld id="{34A7A147-D8E2-44F6-BAC2-8F18F015FB8D}" type="datetimeFigureOut">
               <a:rPr lang="en-IN" smtClean="0"/>
-              <a:t>10-08-2023</a:t>
+              <a:t>18-08-2023</a:t>
             </a:fld>
             <a:endParaRPr lang="en-IN"/>
           </a:p>
@@ -2052,7 +2060,7 @@
           <a:p>
             <a:fld id="{34A7A147-D8E2-44F6-BAC2-8F18F015FB8D}" type="datetimeFigureOut">
               <a:rPr lang="en-IN" smtClean="0"/>
-              <a:t>10-08-2023</a:t>
+              <a:t>18-08-2023</a:t>
             </a:fld>
             <a:endParaRPr lang="en-IN"/>
           </a:p>
@@ -2445,7 +2453,7 @@
           <a:p>
             <a:fld id="{34A7A147-D8E2-44F6-BAC2-8F18F015FB8D}" type="datetimeFigureOut">
               <a:rPr lang="en-IN" smtClean="0"/>
-              <a:t>10-08-2023</a:t>
+              <a:t>18-08-2023</a:t>
             </a:fld>
             <a:endParaRPr lang="en-IN"/>
           </a:p>
@@ -2615,7 +2623,7 @@
           <a:p>
             <a:fld id="{34A7A147-D8E2-44F6-BAC2-8F18F015FB8D}" type="datetimeFigureOut">
               <a:rPr lang="en-IN" smtClean="0"/>
-              <a:t>10-08-2023</a:t>
+              <a:t>18-08-2023</a:t>
             </a:fld>
             <a:endParaRPr lang="en-IN"/>
           </a:p>
@@ -2795,7 +2803,7 @@
           <a:p>
             <a:fld id="{34A7A147-D8E2-44F6-BAC2-8F18F015FB8D}" type="datetimeFigureOut">
               <a:rPr lang="en-IN" smtClean="0"/>
-              <a:t>10-08-2023</a:t>
+              <a:t>18-08-2023</a:t>
             </a:fld>
             <a:endParaRPr lang="en-IN"/>
           </a:p>
@@ -2971,7 +2979,7 @@
           <a:p>
             <a:fld id="{34A7A147-D8E2-44F6-BAC2-8F18F015FB8D}" type="datetimeFigureOut">
               <a:rPr lang="en-IN" smtClean="0"/>
-              <a:t>10-08-2023</a:t>
+              <a:t>18-08-2023</a:t>
             </a:fld>
             <a:endParaRPr lang="en-IN"/>
           </a:p>
@@ -3218,7 +3226,7 @@
           <a:p>
             <a:fld id="{34A7A147-D8E2-44F6-BAC2-8F18F015FB8D}" type="datetimeFigureOut">
               <a:rPr lang="en-IN" smtClean="0"/>
-              <a:t>10-08-2023</a:t>
+              <a:t>18-08-2023</a:t>
             </a:fld>
             <a:endParaRPr lang="en-IN"/>
           </a:p>
@@ -3450,7 +3458,7 @@
           <a:p>
             <a:fld id="{34A7A147-D8E2-44F6-BAC2-8F18F015FB8D}" type="datetimeFigureOut">
               <a:rPr lang="en-IN" smtClean="0"/>
-              <a:t>10-08-2023</a:t>
+              <a:t>18-08-2023</a:t>
             </a:fld>
             <a:endParaRPr lang="en-IN"/>
           </a:p>
@@ -3824,7 +3832,7 @@
           <a:p>
             <a:fld id="{34A7A147-D8E2-44F6-BAC2-8F18F015FB8D}" type="datetimeFigureOut">
               <a:rPr lang="en-IN" smtClean="0"/>
-              <a:t>10-08-2023</a:t>
+              <a:t>18-08-2023</a:t>
             </a:fld>
             <a:endParaRPr lang="en-IN"/>
           </a:p>
@@ -3947,7 +3955,7 @@
           <a:p>
             <a:fld id="{34A7A147-D8E2-44F6-BAC2-8F18F015FB8D}" type="datetimeFigureOut">
               <a:rPr lang="en-IN" smtClean="0"/>
-              <a:t>10-08-2023</a:t>
+              <a:t>18-08-2023</a:t>
             </a:fld>
             <a:endParaRPr lang="en-IN"/>
           </a:p>
@@ -4042,7 +4050,7 @@
           <a:p>
             <a:fld id="{34A7A147-D8E2-44F6-BAC2-8F18F015FB8D}" type="datetimeFigureOut">
               <a:rPr lang="en-IN" smtClean="0"/>
-              <a:t>10-08-2023</a:t>
+              <a:t>18-08-2023</a:t>
             </a:fld>
             <a:endParaRPr lang="en-IN"/>
           </a:p>
@@ -4297,7 +4305,7 @@
           <a:p>
             <a:fld id="{34A7A147-D8E2-44F6-BAC2-8F18F015FB8D}" type="datetimeFigureOut">
               <a:rPr lang="en-IN" smtClean="0"/>
-              <a:t>10-08-2023</a:t>
+              <a:t>18-08-2023</a:t>
             </a:fld>
             <a:endParaRPr lang="en-IN"/>
           </a:p>
@@ -4560,7 +4568,7 @@
           <a:p>
             <a:fld id="{34A7A147-D8E2-44F6-BAC2-8F18F015FB8D}" type="datetimeFigureOut">
               <a:rPr lang="en-IN" smtClean="0"/>
-              <a:t>10-08-2023</a:t>
+              <a:t>18-08-2023</a:t>
             </a:fld>
             <a:endParaRPr lang="en-IN"/>
           </a:p>
@@ -5303,7 +5311,7 @@
           <a:p>
             <a:fld id="{34A7A147-D8E2-44F6-BAC2-8F18F015FB8D}" type="datetimeFigureOut">
               <a:rPr lang="en-IN" smtClean="0"/>
-              <a:t>10-08-2023</a:t>
+              <a:t>18-08-2023</a:t>
             </a:fld>
             <a:endParaRPr lang="en-IN"/>
           </a:p>
@@ -5843,11 +5851,17 @@
             <p:ph type="ctrTitle"/>
           </p:nvPr>
         </p:nvSpPr>
-        <p:spPr/>
+        <p:spPr>
+          <a:xfrm>
+            <a:off x="1287611" y="2038774"/>
+            <a:ext cx="7766936" cy="1646302"/>
+          </a:xfrm>
+        </p:spPr>
         <p:txBody>
           <a:bodyPr/>
           <a:lstStyle/>
           <a:p>
+            <a:pPr algn="ctr"/>
             <a:r>
               <a:rPr lang="en-US" dirty="0"/>
               <a:t>GitHub actions CI/CD</a:t>
@@ -5866,6 +5880,14 @@
   <p:clrMapOvr>
     <a:masterClrMapping/>
   </p:clrMapOvr>
+  <mc:AlternateContent xmlns:mc="http://schemas.openxmlformats.org/markup-compatibility/2006">
+    <mc:Choice xmlns:p14="http://schemas.microsoft.com/office/powerpoint/2010/main" Requires="p14">
+      <p:transition spd="slow" p14:dur="2000" advTm="2561"/>
+    </mc:Choice>
+    <mc:Fallback>
+      <p:transition spd="slow" advTm="2561"/>
+    </mc:Fallback>
+  </mc:AlternateContent>
 </p:sld>
 </file>
 
@@ -5891,7 +5913,7 @@
           <p:cNvPr id="2" name="Title 1">
             <a:extLst>
               <a:ext uri="{FF2B5EF4-FFF2-40B4-BE49-F238E27FC236}">
-                <a16:creationId xmlns:a16="http://schemas.microsoft.com/office/drawing/2014/main" id="{9DECF93D-5B8D-2F40-9E29-D6B09F2EEDC7}"/>
+                <a16:creationId xmlns:a16="http://schemas.microsoft.com/office/drawing/2014/main" id="{65B78919-E6BC-E6F6-B890-378A333E2714}"/>
               </a:ext>
             </a:extLst>
           </p:cNvPr>
@@ -5902,7 +5924,12 @@
             <p:ph type="title"/>
           </p:nvPr>
         </p:nvSpPr>
-        <p:spPr/>
+        <p:spPr>
+          <a:xfrm>
+            <a:off x="448734" y="0"/>
+            <a:ext cx="8596668" cy="722376"/>
+          </a:xfrm>
+        </p:spPr>
         <p:txBody>
           <a:bodyPr/>
           <a:lstStyle/>
@@ -5917,10 +5944,10 @@
       </p:sp>
       <p:sp>
         <p:nvSpPr>
-          <p:cNvPr id="3" name="Content Placeholder 2">
+          <p:cNvPr id="4" name="Content Placeholder 2">
             <a:extLst>
               <a:ext uri="{FF2B5EF4-FFF2-40B4-BE49-F238E27FC236}">
-                <a16:creationId xmlns:a16="http://schemas.microsoft.com/office/drawing/2014/main" id="{0CD516FF-6BD3-5991-C8B2-ABA41E61E78F}"/>
+                <a16:creationId xmlns:a16="http://schemas.microsoft.com/office/drawing/2014/main" id="{8E125228-2EF9-73CA-9A64-E33CE110C7A0}"/>
               </a:ext>
             </a:extLst>
           </p:cNvPr>
@@ -5931,7 +5958,12 @@
             <p:ph idx="1"/>
           </p:nvPr>
         </p:nvSpPr>
-        <p:spPr/>
+        <p:spPr>
+          <a:xfrm>
+            <a:off x="448734" y="722376"/>
+            <a:ext cx="8596668" cy="3880773"/>
+          </a:xfrm>
+        </p:spPr>
         <p:txBody>
           <a:bodyPr/>
           <a:lstStyle/>
@@ -5974,7 +6006,19 @@
           <a:p>
             <a:r>
               <a:rPr lang="en-IN" dirty="0"/>
+              <a:t>How to add an ec2 instance as runner for GitHub actions</a:t>
+            </a:r>
+          </a:p>
+          <a:p>
+            <a:r>
+              <a:rPr lang="en-IN" dirty="0"/>
               <a:t>Migration from Jenkins to GitHub actions</a:t>
+            </a:r>
+          </a:p>
+          <a:p>
+            <a:r>
+              <a:rPr lang="en-IN" dirty="0"/>
+              <a:t>Migration of Source code repository from Gitlab to GitHub</a:t>
             </a:r>
             <a:endParaRPr lang="en-US" dirty="0"/>
           </a:p>
@@ -5983,7 +6027,7 @@
     </p:spTree>
     <p:extLst>
       <p:ext uri="{BB962C8B-B14F-4D97-AF65-F5344CB8AC3E}">
-        <p14:creationId xmlns:p14="http://schemas.microsoft.com/office/powerpoint/2010/main" val="634787258"/>
+        <p14:creationId xmlns:p14="http://schemas.microsoft.com/office/powerpoint/2010/main" val="3739388609"/>
       </p:ext>
     </p:extLst>
   </p:cSld>
@@ -6026,7 +6070,12 @@
             <p:ph type="title"/>
           </p:nvPr>
         </p:nvSpPr>
-        <p:spPr/>
+        <p:spPr>
+          <a:xfrm>
+            <a:off x="448734" y="0"/>
+            <a:ext cx="8596668" cy="722376"/>
+          </a:xfrm>
+        </p:spPr>
         <p:txBody>
           <a:bodyPr/>
           <a:lstStyle/>
@@ -6061,7 +6110,7 @@
         </p:blipFill>
         <p:spPr>
           <a:xfrm>
-            <a:off x="1466204" y="2581156"/>
+            <a:off x="1228460" y="3596140"/>
             <a:ext cx="9259592" cy="1695687"/>
           </a:xfrm>
           <a:prstGeom prst="rect">
@@ -6069,6 +6118,94 @@
           </a:prstGeom>
         </p:spPr>
       </p:pic>
+      <p:sp>
+        <p:nvSpPr>
+          <p:cNvPr id="3" name="TextBox 2">
+            <a:extLst>
+              <a:ext uri="{FF2B5EF4-FFF2-40B4-BE49-F238E27FC236}">
+                <a16:creationId xmlns:a16="http://schemas.microsoft.com/office/drawing/2014/main" id="{EB979FC6-9646-86F6-45E3-FD0C48D4FAE9}"/>
+              </a:ext>
+            </a:extLst>
+          </p:cNvPr>
+          <p:cNvSpPr txBox="1"/>
+          <p:nvPr/>
+        </p:nvSpPr>
+        <p:spPr>
+          <a:xfrm>
+            <a:off x="448734" y="722376"/>
+            <a:ext cx="8019288" cy="1477328"/>
+          </a:xfrm>
+          <a:prstGeom prst="rect">
+            <a:avLst/>
+          </a:prstGeom>
+          <a:noFill/>
+        </p:spPr>
+        <p:txBody>
+          <a:bodyPr wrap="square" rtlCol="0">
+            <a:spAutoFit/>
+          </a:bodyPr>
+          <a:lstStyle/>
+          <a:p>
+            <a:pPr marL="285750" indent="-285750">
+              <a:buFont typeface="Arial" panose="020B0604020202020204" pitchFamily="34" charset="0"/>
+              <a:buChar char="•"/>
+            </a:pPr>
+            <a:r>
+              <a:rPr lang="en-US" dirty="0"/>
+              <a:t>Create a workflow with 4 jobs as shown in fig</a:t>
+            </a:r>
+          </a:p>
+          <a:p>
+            <a:pPr marL="285750" indent="-285750">
+              <a:buFont typeface="Arial" panose="020B0604020202020204" pitchFamily="34" charset="0"/>
+              <a:buChar char="•"/>
+            </a:pPr>
+            <a:r>
+              <a:rPr lang="en-US" dirty="0"/>
+              <a:t>Run the workflow in feature branch</a:t>
+            </a:r>
+          </a:p>
+          <a:p>
+            <a:pPr marL="285750" indent="-285750">
+              <a:buFont typeface="Arial" panose="020B0604020202020204" pitchFamily="34" charset="0"/>
+              <a:buChar char="•"/>
+            </a:pPr>
+            <a:r>
+              <a:rPr lang="en-US" dirty="0"/>
+              <a:t>Workflow is triggered when commits are push to feature branch</a:t>
+            </a:r>
+          </a:p>
+          <a:p>
+            <a:pPr marL="285750" indent="-285750">
+              <a:buFont typeface="Arial" panose="020B0604020202020204" pitchFamily="34" charset="0"/>
+              <a:buChar char="•"/>
+            </a:pPr>
+            <a:r>
+              <a:rPr lang="en-US" dirty="0"/>
+              <a:t>Unit Test and Test- </a:t>
+            </a:r>
+            <a:r>
+              <a:rPr lang="en-US" dirty="0" err="1"/>
+              <a:t>SonarCloud</a:t>
+            </a:r>
+            <a:r>
+              <a:rPr lang="en-US" dirty="0"/>
+              <a:t> Scan runs in parallel which saves time</a:t>
+            </a:r>
+          </a:p>
+          <a:p>
+            <a:pPr marL="285750" indent="-285750">
+              <a:buFont typeface="Arial" panose="020B0604020202020204" pitchFamily="34" charset="0"/>
+              <a:buChar char="•"/>
+            </a:pPr>
+            <a:r>
+              <a:rPr lang="en-US" dirty="0"/>
+              <a:t>If test passes, we bump POM version and raise PR to main branch</a:t>
+            </a:r>
+            <a:endParaRPr lang="en-IN" dirty="0"/>
+          </a:p>
+        </p:txBody>
+      </p:sp>
     </p:spTree>
     <p:extLst>
       <p:ext uri="{BB962C8B-B14F-4D97-AF65-F5344CB8AC3E}">
@@ -6115,7 +6252,12 @@
             <p:ph type="title"/>
           </p:nvPr>
         </p:nvSpPr>
-        <p:spPr/>
+        <p:spPr>
+          <a:xfrm>
+            <a:off x="448734" y="0"/>
+            <a:ext cx="8596668" cy="722376"/>
+          </a:xfrm>
+        </p:spPr>
         <p:txBody>
           <a:bodyPr/>
           <a:lstStyle/>
@@ -6123,6 +6265,96 @@
             <a:r>
               <a:rPr lang="en-US" dirty="0"/>
               <a:t>Build and Deploy</a:t>
+            </a:r>
+            <a:endParaRPr lang="en-IN" dirty="0"/>
+          </a:p>
+        </p:txBody>
+      </p:sp>
+      <p:sp>
+        <p:nvSpPr>
+          <p:cNvPr id="3" name="TextBox 2">
+            <a:extLst>
+              <a:ext uri="{FF2B5EF4-FFF2-40B4-BE49-F238E27FC236}">
+                <a16:creationId xmlns:a16="http://schemas.microsoft.com/office/drawing/2014/main" id="{EB979FC6-9646-86F6-45E3-FD0C48D4FAE9}"/>
+              </a:ext>
+            </a:extLst>
+          </p:cNvPr>
+          <p:cNvSpPr txBox="1"/>
+          <p:nvPr/>
+        </p:nvSpPr>
+        <p:spPr>
+          <a:xfrm>
+            <a:off x="448734" y="722376"/>
+            <a:ext cx="8019288" cy="2308324"/>
+          </a:xfrm>
+          <a:prstGeom prst="rect">
+            <a:avLst/>
+          </a:prstGeom>
+          <a:noFill/>
+        </p:spPr>
+        <p:txBody>
+          <a:bodyPr wrap="square" rtlCol="0">
+            <a:spAutoFit/>
+          </a:bodyPr>
+          <a:lstStyle/>
+          <a:p>
+            <a:pPr marL="285750" indent="-285750">
+              <a:buFont typeface="Arial" panose="020B0604020202020204" pitchFamily="34" charset="0"/>
+              <a:buChar char="•"/>
+            </a:pPr>
+            <a:r>
+              <a:rPr lang="en-US" dirty="0"/>
+              <a:t>Create another workflow with 3 jobs as shown in fig</a:t>
+            </a:r>
+          </a:p>
+          <a:p>
+            <a:pPr marL="285750" indent="-285750">
+              <a:buFont typeface="Arial" panose="020B0604020202020204" pitchFamily="34" charset="0"/>
+              <a:buChar char="•"/>
+            </a:pPr>
+            <a:r>
+              <a:rPr lang="en-US" dirty="0"/>
+              <a:t>Run the workflow in main branch</a:t>
+            </a:r>
+          </a:p>
+          <a:p>
+            <a:pPr marL="285750" indent="-285750">
+              <a:buFont typeface="Arial" panose="020B0604020202020204" pitchFamily="34" charset="0"/>
+              <a:buChar char="•"/>
+            </a:pPr>
+            <a:r>
+              <a:rPr lang="en-US" dirty="0"/>
+              <a:t>Workflow is triggered when PR is raised from feature branch</a:t>
+            </a:r>
+          </a:p>
+          <a:p>
+            <a:pPr marL="285750" indent="-285750">
+              <a:buFont typeface="Arial" panose="020B0604020202020204" pitchFamily="34" charset="0"/>
+              <a:buChar char="•"/>
+            </a:pPr>
+            <a:r>
+              <a:rPr lang="en-US" dirty="0"/>
+              <a:t>We publish .war packages, create docker image and push to docker registry</a:t>
+            </a:r>
+          </a:p>
+          <a:p>
+            <a:pPr marL="285750" indent="-285750">
+              <a:buFont typeface="Arial" panose="020B0604020202020204" pitchFamily="34" charset="0"/>
+              <a:buChar char="•"/>
+            </a:pPr>
+            <a:r>
+              <a:rPr lang="en-US" dirty="0"/>
+              <a:t>Once image is pushed, we launch an ec2 instance and run the application by pulling docker from registry</a:t>
+            </a:r>
+          </a:p>
+          <a:p>
+            <a:pPr marL="285750" indent="-285750">
+              <a:buFont typeface="Arial" panose="020B0604020202020204" pitchFamily="34" charset="0"/>
+              <a:buChar char="•"/>
+            </a:pPr>
+            <a:r>
+              <a:rPr lang="en-US" dirty="0"/>
+              <a:t>The last job is run on self hosted runner on ec2</a:t>
             </a:r>
             <a:endParaRPr lang="en-IN" dirty="0"/>
           </a:p>
@@ -6133,7 +6365,7 @@
           <p:cNvPr id="4" name="Picture 3">
             <a:extLst>
               <a:ext uri="{FF2B5EF4-FFF2-40B4-BE49-F238E27FC236}">
-                <a16:creationId xmlns:a16="http://schemas.microsoft.com/office/drawing/2014/main" id="{3F4D4E10-139F-959E-54D3-C04AAFF429F5}"/>
+                <a16:creationId xmlns:a16="http://schemas.microsoft.com/office/drawing/2014/main" id="{9AF30487-12C8-2009-F589-E6E3BD62C6C3}"/>
               </a:ext>
             </a:extLst>
           </p:cNvPr>
@@ -6150,7 +6382,7 @@
         </p:blipFill>
         <p:spPr>
           <a:xfrm>
-            <a:off x="1313782" y="2843130"/>
+            <a:off x="1228460" y="3614428"/>
             <a:ext cx="9564435" cy="1171739"/>
           </a:xfrm>
           <a:prstGeom prst="rect">
@@ -6161,7 +6393,891 @@
     </p:spTree>
     <p:extLst>
       <p:ext uri="{BB962C8B-B14F-4D97-AF65-F5344CB8AC3E}">
-        <p14:creationId xmlns:p14="http://schemas.microsoft.com/office/powerpoint/2010/main" val="270084530"/>
+        <p14:creationId xmlns:p14="http://schemas.microsoft.com/office/powerpoint/2010/main" val="3761871332"/>
+      </p:ext>
+    </p:extLst>
+  </p:cSld>
+  <p:clrMapOvr>
+    <a:masterClrMapping/>
+  </p:clrMapOvr>
+</p:sld>
+</file>
+
+<file path=ppt/slides/slide5.xml><?xml version="1.0" encoding="utf-8"?>
+<p:sld xmlns:a="http://schemas.openxmlformats.org/drawingml/2006/main" xmlns:r="http://schemas.openxmlformats.org/officeDocument/2006/relationships" xmlns:p="http://schemas.openxmlformats.org/presentationml/2006/main">
+  <p:cSld>
+    <p:spTree>
+      <p:nvGrpSpPr>
+        <p:cNvPr id="1" name=""/>
+        <p:cNvGrpSpPr/>
+        <p:nvPr/>
+      </p:nvGrpSpPr>
+      <p:grpSpPr>
+        <a:xfrm>
+          <a:off x="0" y="0"/>
+          <a:ext cx="0" cy="0"/>
+          <a:chOff x="0" y="0"/>
+          <a:chExt cx="0" cy="0"/>
+        </a:xfrm>
+      </p:grpSpPr>
+      <p:sp>
+        <p:nvSpPr>
+          <p:cNvPr id="2" name="Title 1">
+            <a:extLst>
+              <a:ext uri="{FF2B5EF4-FFF2-40B4-BE49-F238E27FC236}">
+                <a16:creationId xmlns:a16="http://schemas.microsoft.com/office/drawing/2014/main" id="{65B78919-E6BC-E6F6-B890-378A333E2714}"/>
+              </a:ext>
+            </a:extLst>
+          </p:cNvPr>
+          <p:cNvSpPr>
+            <a:spLocks noGrp="1"/>
+          </p:cNvSpPr>
+          <p:nvPr>
+            <p:ph type="title"/>
+          </p:nvPr>
+        </p:nvSpPr>
+        <p:spPr>
+          <a:xfrm>
+            <a:off x="448734" y="0"/>
+            <a:ext cx="8596668" cy="722376"/>
+          </a:xfrm>
+        </p:spPr>
+        <p:txBody>
+          <a:bodyPr>
+            <a:normAutofit fontScale="90000"/>
+          </a:bodyPr>
+          <a:lstStyle/>
+          <a:p>
+            <a:pPr>
+              <a:lnSpc>
+                <a:spcPct val="107000"/>
+              </a:lnSpc>
+              <a:spcAft>
+                <a:spcPts val="800"/>
+              </a:spcAft>
+            </a:pPr>
+            <a:r>
+              <a:rPr lang="en-US" dirty="0"/>
+              <a:t>Configuring EC2 as runner for GitHub actions</a:t>
+            </a:r>
+            <a:endParaRPr lang="en-IN" dirty="0"/>
+          </a:p>
+        </p:txBody>
+      </p:sp>
+      <p:sp>
+        <p:nvSpPr>
+          <p:cNvPr id="3" name="TextBox 2">
+            <a:extLst>
+              <a:ext uri="{FF2B5EF4-FFF2-40B4-BE49-F238E27FC236}">
+                <a16:creationId xmlns:a16="http://schemas.microsoft.com/office/drawing/2014/main" id="{EB979FC6-9646-86F6-45E3-FD0C48D4FAE9}"/>
+              </a:ext>
+            </a:extLst>
+          </p:cNvPr>
+          <p:cNvSpPr txBox="1"/>
+          <p:nvPr/>
+        </p:nvSpPr>
+        <p:spPr>
+          <a:xfrm>
+            <a:off x="448734" y="722376"/>
+            <a:ext cx="8430090" cy="1469826"/>
+          </a:xfrm>
+          <a:prstGeom prst="rect">
+            <a:avLst/>
+          </a:prstGeom>
+          <a:noFill/>
+        </p:spPr>
+        <p:txBody>
+          <a:bodyPr wrap="square" rtlCol="0">
+            <a:spAutoFit/>
+          </a:bodyPr>
+          <a:lstStyle/>
+          <a:p>
+            <a:pPr marL="285750" indent="-285750">
+              <a:lnSpc>
+                <a:spcPct val="107000"/>
+              </a:lnSpc>
+              <a:spcAft>
+                <a:spcPts val="800"/>
+              </a:spcAft>
+              <a:buFont typeface="Arial" panose="020B0604020202020204" pitchFamily="34" charset="0"/>
+              <a:buChar char="•"/>
+            </a:pPr>
+            <a:r>
+              <a:rPr lang="en-US" sz="1800" kern="100" dirty="0">
+                <a:effectLst/>
+                <a:latin typeface="Calibri" panose="020F0502020204030204" pitchFamily="34" charset="0"/>
+                <a:ea typeface="Calibri" panose="020F0502020204030204" pitchFamily="34" charset="0"/>
+                <a:cs typeface="Times New Roman" panose="02020603050405020304" pitchFamily="18" charset="0"/>
+              </a:rPr>
+              <a:t>In your GitHub Repository go to Settings&gt;&gt;Actions&gt;&gt;Runners&gt;&gt;New self-hosted runner. Follow the instructions to setup as runner.</a:t>
+            </a:r>
+          </a:p>
+          <a:p>
+            <a:pPr marL="285750" indent="-285750">
+              <a:lnSpc>
+                <a:spcPct val="107000"/>
+              </a:lnSpc>
+              <a:spcAft>
+                <a:spcPts val="800"/>
+              </a:spcAft>
+              <a:buFont typeface="Arial" panose="020B0604020202020204" pitchFamily="34" charset="0"/>
+              <a:buChar char="•"/>
+            </a:pPr>
+            <a:r>
+              <a:rPr lang="en-US" kern="100" dirty="0">
+                <a:latin typeface="Calibri" panose="020F0502020204030204" pitchFamily="34" charset="0"/>
+                <a:ea typeface="Calibri" panose="020F0502020204030204" pitchFamily="34" charset="0"/>
+                <a:cs typeface="Times New Roman" panose="02020603050405020304" pitchFamily="18" charset="0"/>
+              </a:rPr>
+              <a:t>Choose Runner image macOS/Linux/Windows and architecture (x64/ARM/ARM64)</a:t>
+            </a:r>
+          </a:p>
+          <a:p>
+            <a:pPr marL="285750" indent="-285750">
+              <a:lnSpc>
+                <a:spcPct val="107000"/>
+              </a:lnSpc>
+              <a:spcAft>
+                <a:spcPts val="800"/>
+              </a:spcAft>
+              <a:buFont typeface="Arial" panose="020B0604020202020204" pitchFamily="34" charset="0"/>
+              <a:buChar char="•"/>
+            </a:pPr>
+            <a:r>
+              <a:rPr lang="en-US" sz="1800" kern="100" dirty="0">
+                <a:effectLst/>
+                <a:latin typeface="Calibri" panose="020F0502020204030204" pitchFamily="34" charset="0"/>
+                <a:ea typeface="Calibri" panose="020F0502020204030204" pitchFamily="34" charset="0"/>
+                <a:cs typeface="Times New Roman" panose="02020603050405020304" pitchFamily="18" charset="0"/>
+              </a:rPr>
+              <a:t>Download runner package</a:t>
+            </a:r>
+            <a:r>
+              <a:rPr lang="en-US" kern="100" dirty="0">
+                <a:latin typeface="Calibri" panose="020F0502020204030204" pitchFamily="34" charset="0"/>
+                <a:ea typeface="Calibri" panose="020F0502020204030204" pitchFamily="34" charset="0"/>
+                <a:cs typeface="Times New Roman" panose="02020603050405020304" pitchFamily="18" charset="0"/>
+              </a:rPr>
+              <a:t> and configure following the instructions on the page</a:t>
+            </a:r>
+            <a:endParaRPr lang="en-IN" sz="1800" kern="100" dirty="0">
+              <a:effectLst/>
+              <a:latin typeface="Calibri" panose="020F0502020204030204" pitchFamily="34" charset="0"/>
+              <a:ea typeface="Calibri" panose="020F0502020204030204" pitchFamily="34" charset="0"/>
+              <a:cs typeface="Times New Roman" panose="02020603050405020304" pitchFamily="18" charset="0"/>
+            </a:endParaRPr>
+          </a:p>
+        </p:txBody>
+      </p:sp>
+    </p:spTree>
+    <p:extLst>
+      <p:ext uri="{BB962C8B-B14F-4D97-AF65-F5344CB8AC3E}">
+        <p14:creationId xmlns:p14="http://schemas.microsoft.com/office/powerpoint/2010/main" val="1253861146"/>
+      </p:ext>
+    </p:extLst>
+  </p:cSld>
+  <p:clrMapOvr>
+    <a:masterClrMapping/>
+  </p:clrMapOvr>
+</p:sld>
+</file>
+
+<file path=ppt/slides/slide6.xml><?xml version="1.0" encoding="utf-8"?>
+<p:sld xmlns:a="http://schemas.openxmlformats.org/drawingml/2006/main" xmlns:r="http://schemas.openxmlformats.org/officeDocument/2006/relationships" xmlns:p="http://schemas.openxmlformats.org/presentationml/2006/main">
+  <p:cSld>
+    <p:spTree>
+      <p:nvGrpSpPr>
+        <p:cNvPr id="1" name=""/>
+        <p:cNvGrpSpPr/>
+        <p:nvPr/>
+      </p:nvGrpSpPr>
+      <p:grpSpPr>
+        <a:xfrm>
+          <a:off x="0" y="0"/>
+          <a:ext cx="0" cy="0"/>
+          <a:chOff x="0" y="0"/>
+          <a:chExt cx="0" cy="0"/>
+        </a:xfrm>
+      </p:grpSpPr>
+      <p:sp>
+        <p:nvSpPr>
+          <p:cNvPr id="2" name="Title 1">
+            <a:extLst>
+              <a:ext uri="{FF2B5EF4-FFF2-40B4-BE49-F238E27FC236}">
+                <a16:creationId xmlns:a16="http://schemas.microsoft.com/office/drawing/2014/main" id="{65B78919-E6BC-E6F6-B890-378A333E2714}"/>
+              </a:ext>
+            </a:extLst>
+          </p:cNvPr>
+          <p:cNvSpPr>
+            <a:spLocks noGrp="1"/>
+          </p:cNvSpPr>
+          <p:nvPr>
+            <p:ph type="title"/>
+          </p:nvPr>
+        </p:nvSpPr>
+        <p:spPr>
+          <a:xfrm>
+            <a:off x="448734" y="0"/>
+            <a:ext cx="8596668" cy="722376"/>
+          </a:xfrm>
+        </p:spPr>
+        <p:txBody>
+          <a:bodyPr>
+            <a:normAutofit/>
+          </a:bodyPr>
+          <a:lstStyle/>
+          <a:p>
+            <a:pPr>
+              <a:lnSpc>
+                <a:spcPct val="107000"/>
+              </a:lnSpc>
+              <a:spcAft>
+                <a:spcPts val="800"/>
+              </a:spcAft>
+            </a:pPr>
+            <a:r>
+              <a:rPr lang="en-US" sz="3200" dirty="0"/>
+              <a:t>Migrating from Jenkins to GitHub actions</a:t>
+            </a:r>
+            <a:endParaRPr lang="en-IN" sz="3200" dirty="0"/>
+          </a:p>
+        </p:txBody>
+      </p:sp>
+      <p:sp>
+        <p:nvSpPr>
+          <p:cNvPr id="3" name="TextBox 2">
+            <a:extLst>
+              <a:ext uri="{FF2B5EF4-FFF2-40B4-BE49-F238E27FC236}">
+                <a16:creationId xmlns:a16="http://schemas.microsoft.com/office/drawing/2014/main" id="{EB979FC6-9646-86F6-45E3-FD0C48D4FAE9}"/>
+              </a:ext>
+            </a:extLst>
+          </p:cNvPr>
+          <p:cNvSpPr txBox="1"/>
+          <p:nvPr/>
+        </p:nvSpPr>
+        <p:spPr>
+          <a:xfrm>
+            <a:off x="448734" y="722376"/>
+            <a:ext cx="8019288" cy="2564100"/>
+          </a:xfrm>
+          <a:prstGeom prst="rect">
+            <a:avLst/>
+          </a:prstGeom>
+          <a:noFill/>
+        </p:spPr>
+        <p:txBody>
+          <a:bodyPr wrap="square" rtlCol="0">
+            <a:spAutoFit/>
+          </a:bodyPr>
+          <a:lstStyle/>
+          <a:p>
+            <a:pPr marL="285750" indent="-285750">
+              <a:lnSpc>
+                <a:spcPct val="107000"/>
+              </a:lnSpc>
+              <a:spcAft>
+                <a:spcPts val="800"/>
+              </a:spcAft>
+              <a:buFont typeface="Arial" panose="020B0604020202020204" pitchFamily="34" charset="0"/>
+              <a:buChar char="•"/>
+            </a:pPr>
+            <a:r>
+              <a:rPr lang="en-US" sz="1800" kern="100" dirty="0">
+                <a:effectLst/>
+                <a:latin typeface="Calibri" panose="020F0502020204030204" pitchFamily="34" charset="0"/>
+                <a:ea typeface="Calibri" panose="020F0502020204030204" pitchFamily="34" charset="0"/>
+                <a:cs typeface="Times New Roman" panose="02020603050405020304" pitchFamily="18" charset="0"/>
+              </a:rPr>
+              <a:t>Follow the instructions from below link:</a:t>
+            </a:r>
+            <a:endParaRPr lang="en-IN" sz="1800" kern="100" dirty="0">
+              <a:effectLst/>
+              <a:latin typeface="Calibri" panose="020F0502020204030204" pitchFamily="34" charset="0"/>
+              <a:ea typeface="Calibri" panose="020F0502020204030204" pitchFamily="34" charset="0"/>
+              <a:cs typeface="Times New Roman" panose="02020603050405020304" pitchFamily="18" charset="0"/>
+            </a:endParaRPr>
+          </a:p>
+          <a:p>
+            <a:pPr>
+              <a:lnSpc>
+                <a:spcPct val="107000"/>
+              </a:lnSpc>
+              <a:spcAft>
+                <a:spcPts val="800"/>
+              </a:spcAft>
+            </a:pPr>
+            <a:r>
+              <a:rPr lang="en-US" sz="1800" u="sng" kern="100" dirty="0">
+                <a:solidFill>
+                  <a:srgbClr val="0563C1"/>
+                </a:solidFill>
+                <a:effectLst/>
+                <a:latin typeface="Calibri" panose="020F0502020204030204" pitchFamily="34" charset="0"/>
+                <a:ea typeface="Calibri" panose="020F0502020204030204" pitchFamily="34" charset="0"/>
+                <a:cs typeface="Times New Roman" panose="02020603050405020304" pitchFamily="18" charset="0"/>
+                <a:hlinkClick r:id="rId2"/>
+              </a:rPr>
+              <a:t>https://docs.github.com/en/actions/migrating-to-github-actions/automated-migrations/migrating-from-jenkins-with-github-actions-importer</a:t>
+            </a:r>
+            <a:endParaRPr lang="en-IN" sz="1800" kern="100" dirty="0">
+              <a:effectLst/>
+              <a:latin typeface="Calibri" panose="020F0502020204030204" pitchFamily="34" charset="0"/>
+              <a:ea typeface="Calibri" panose="020F0502020204030204" pitchFamily="34" charset="0"/>
+              <a:cs typeface="Times New Roman" panose="02020603050405020304" pitchFamily="18" charset="0"/>
+            </a:endParaRPr>
+          </a:p>
+          <a:p>
+            <a:pPr marL="285750" indent="-285750">
+              <a:lnSpc>
+                <a:spcPct val="107000"/>
+              </a:lnSpc>
+              <a:spcAft>
+                <a:spcPts val="800"/>
+              </a:spcAft>
+              <a:buFont typeface="Arial" panose="020B0604020202020204" pitchFamily="34" charset="0"/>
+              <a:buChar char="•"/>
+            </a:pPr>
+            <a:r>
+              <a:rPr lang="en-US" sz="1800" kern="100" dirty="0">
+                <a:effectLst/>
+                <a:latin typeface="Calibri" panose="020F0502020204030204" pitchFamily="34" charset="0"/>
+                <a:ea typeface="Calibri" panose="020F0502020204030204" pitchFamily="34" charset="0"/>
+                <a:cs typeface="Times New Roman" panose="02020603050405020304" pitchFamily="18" charset="0"/>
+              </a:rPr>
+              <a:t>For manual migration:</a:t>
+            </a:r>
+            <a:endParaRPr lang="en-IN" sz="1800" kern="100" dirty="0">
+              <a:effectLst/>
+              <a:latin typeface="Calibri" panose="020F0502020204030204" pitchFamily="34" charset="0"/>
+              <a:ea typeface="Calibri" panose="020F0502020204030204" pitchFamily="34" charset="0"/>
+              <a:cs typeface="Times New Roman" panose="02020603050405020304" pitchFamily="18" charset="0"/>
+            </a:endParaRPr>
+          </a:p>
+          <a:p>
+            <a:pPr>
+              <a:lnSpc>
+                <a:spcPct val="107000"/>
+              </a:lnSpc>
+              <a:spcAft>
+                <a:spcPts val="800"/>
+              </a:spcAft>
+            </a:pPr>
+            <a:r>
+              <a:rPr lang="en-US" sz="1800" u="sng" kern="100" dirty="0">
+                <a:solidFill>
+                  <a:srgbClr val="0563C1"/>
+                </a:solidFill>
+                <a:effectLst/>
+                <a:latin typeface="Calibri" panose="020F0502020204030204" pitchFamily="34" charset="0"/>
+                <a:ea typeface="Calibri" panose="020F0502020204030204" pitchFamily="34" charset="0"/>
+                <a:cs typeface="Times New Roman" panose="02020603050405020304" pitchFamily="18" charset="0"/>
+                <a:hlinkClick r:id="rId3"/>
+              </a:rPr>
+              <a:t>https://docs.github.com/en/actions/migrating-to-github-actions/manual-migrations/migrating-from-jenkins-to-github-actions</a:t>
+            </a:r>
+            <a:endParaRPr lang="en-IN" sz="1800" kern="100" dirty="0">
+              <a:effectLst/>
+              <a:latin typeface="Calibri" panose="020F0502020204030204" pitchFamily="34" charset="0"/>
+              <a:ea typeface="Calibri" panose="020F0502020204030204" pitchFamily="34" charset="0"/>
+              <a:cs typeface="Times New Roman" panose="02020603050405020304" pitchFamily="18" charset="0"/>
+            </a:endParaRPr>
+          </a:p>
+          <a:p>
+            <a:pPr marL="285750" indent="-285750">
+              <a:lnSpc>
+                <a:spcPct val="107000"/>
+              </a:lnSpc>
+              <a:spcAft>
+                <a:spcPts val="800"/>
+              </a:spcAft>
+              <a:buFont typeface="Arial" panose="020B0604020202020204" pitchFamily="34" charset="0"/>
+              <a:buChar char="•"/>
+            </a:pPr>
+            <a:r>
+              <a:rPr lang="en-US" sz="1800" kern="100" dirty="0">
+                <a:effectLst/>
+                <a:latin typeface="Calibri" panose="020F0502020204030204" pitchFamily="34" charset="0"/>
+                <a:ea typeface="Calibri" panose="020F0502020204030204" pitchFamily="34" charset="0"/>
+                <a:cs typeface="Times New Roman" panose="02020603050405020304" pitchFamily="18" charset="0"/>
+              </a:rPr>
+              <a:t>Attached is the documentation for detailed steps to follow</a:t>
+            </a:r>
+            <a:endParaRPr lang="en-IN" sz="1800" kern="100" dirty="0">
+              <a:effectLst/>
+              <a:latin typeface="Calibri" panose="020F0502020204030204" pitchFamily="34" charset="0"/>
+              <a:ea typeface="Calibri" panose="020F0502020204030204" pitchFamily="34" charset="0"/>
+              <a:cs typeface="Times New Roman" panose="02020603050405020304" pitchFamily="18" charset="0"/>
+            </a:endParaRPr>
+          </a:p>
+        </p:txBody>
+      </p:sp>
+      <p:graphicFrame>
+        <p:nvGraphicFramePr>
+          <p:cNvPr id="5" name="Object 4">
+            <a:extLst>
+              <a:ext uri="{FF2B5EF4-FFF2-40B4-BE49-F238E27FC236}">
+                <a16:creationId xmlns:a16="http://schemas.microsoft.com/office/drawing/2014/main" id="{525C683A-9003-D91F-B2A6-A2DD2DED8F28}"/>
+              </a:ext>
+            </a:extLst>
+          </p:cNvPr>
+          <p:cNvGraphicFramePr>
+            <a:graphicFrameLocks noChangeAspect="1"/>
+          </p:cNvGraphicFramePr>
+          <p:nvPr>
+            <p:extLst>
+              <p:ext uri="{D42A27DB-BD31-4B8C-83A1-F6EECF244321}">
+                <p14:modId xmlns:p14="http://schemas.microsoft.com/office/powerpoint/2010/main" val="1293062439"/>
+              </p:ext>
+            </p:extLst>
+          </p:nvPr>
+        </p:nvGraphicFramePr>
+        <p:xfrm>
+          <a:off x="8665464" y="1724914"/>
+          <a:ext cx="914400" cy="771525"/>
+        </p:xfrm>
+        <a:graphic>
+          <a:graphicData uri="http://schemas.openxmlformats.org/presentationml/2006/ole">
+            <mc:AlternateContent xmlns:mc="http://schemas.openxmlformats.org/markup-compatibility/2006">
+              <mc:Choice xmlns:v="urn:schemas-microsoft-com:vml" Requires="v">
+                <p:oleObj name="Document" showAsIcon="1" r:id="rId4" imgW="914400" imgH="771525" progId="Word.Document.12">
+                  <p:embed/>
+                </p:oleObj>
+              </mc:Choice>
+              <mc:Fallback>
+                <p:oleObj name="Document" showAsIcon="1" r:id="rId4" imgW="914400" imgH="771525" progId="Word.Document.12">
+                  <p:embed/>
+                  <p:pic>
+                    <p:nvPicPr>
+                      <p:cNvPr id="0" name=""/>
+                      <p:cNvPicPr/>
+                      <p:nvPr/>
+                    </p:nvPicPr>
+                    <p:blipFill>
+                      <a:blip r:embed="rId5"/>
+                      <a:stretch>
+                        <a:fillRect/>
+                      </a:stretch>
+                    </p:blipFill>
+                    <p:spPr>
+                      <a:xfrm>
+                        <a:off x="8665464" y="1724914"/>
+                        <a:ext cx="914400" cy="771525"/>
+                      </a:xfrm>
+                      <a:prstGeom prst="rect">
+                        <a:avLst/>
+                      </a:prstGeom>
+                    </p:spPr>
+                  </p:pic>
+                </p:oleObj>
+              </mc:Fallback>
+            </mc:AlternateContent>
+          </a:graphicData>
+        </a:graphic>
+      </p:graphicFrame>
+    </p:spTree>
+    <p:extLst>
+      <p:ext uri="{BB962C8B-B14F-4D97-AF65-F5344CB8AC3E}">
+        <p14:creationId xmlns:p14="http://schemas.microsoft.com/office/powerpoint/2010/main" val="190742137"/>
+      </p:ext>
+    </p:extLst>
+  </p:cSld>
+  <p:clrMapOvr>
+    <a:masterClrMapping/>
+  </p:clrMapOvr>
+</p:sld>
+</file>
+
+<file path=ppt/slides/slide7.xml><?xml version="1.0" encoding="utf-8"?>
+<p:sld xmlns:a="http://schemas.openxmlformats.org/drawingml/2006/main" xmlns:r="http://schemas.openxmlformats.org/officeDocument/2006/relationships" xmlns:p="http://schemas.openxmlformats.org/presentationml/2006/main">
+  <p:cSld>
+    <p:spTree>
+      <p:nvGrpSpPr>
+        <p:cNvPr id="1" name=""/>
+        <p:cNvGrpSpPr/>
+        <p:nvPr/>
+      </p:nvGrpSpPr>
+      <p:grpSpPr>
+        <a:xfrm>
+          <a:off x="0" y="0"/>
+          <a:ext cx="0" cy="0"/>
+          <a:chOff x="0" y="0"/>
+          <a:chExt cx="0" cy="0"/>
+        </a:xfrm>
+      </p:grpSpPr>
+      <p:sp>
+        <p:nvSpPr>
+          <p:cNvPr id="2" name="Title 1">
+            <a:extLst>
+              <a:ext uri="{FF2B5EF4-FFF2-40B4-BE49-F238E27FC236}">
+                <a16:creationId xmlns:a16="http://schemas.microsoft.com/office/drawing/2014/main" id="{65B78919-E6BC-E6F6-B890-378A333E2714}"/>
+              </a:ext>
+            </a:extLst>
+          </p:cNvPr>
+          <p:cNvSpPr>
+            <a:spLocks noGrp="1"/>
+          </p:cNvSpPr>
+          <p:nvPr>
+            <p:ph type="title"/>
+          </p:nvPr>
+        </p:nvSpPr>
+        <p:spPr>
+          <a:xfrm>
+            <a:off x="448734" y="0"/>
+            <a:ext cx="9947994" cy="722376"/>
+          </a:xfrm>
+        </p:spPr>
+        <p:txBody>
+          <a:bodyPr>
+            <a:normAutofit fontScale="90000"/>
+          </a:bodyPr>
+          <a:lstStyle/>
+          <a:p>
+            <a:pPr>
+              <a:lnSpc>
+                <a:spcPct val="107000"/>
+              </a:lnSpc>
+              <a:spcAft>
+                <a:spcPts val="800"/>
+              </a:spcAft>
+            </a:pPr>
+            <a:r>
+              <a:rPr lang="en-US" sz="3200" dirty="0"/>
+              <a:t>Migrating Source Code Repository from Gitlab to GitHub</a:t>
+            </a:r>
+            <a:endParaRPr lang="en-IN" sz="3200" dirty="0"/>
+          </a:p>
+        </p:txBody>
+      </p:sp>
+      <p:sp>
+        <p:nvSpPr>
+          <p:cNvPr id="3" name="TextBox 2">
+            <a:extLst>
+              <a:ext uri="{FF2B5EF4-FFF2-40B4-BE49-F238E27FC236}">
+                <a16:creationId xmlns:a16="http://schemas.microsoft.com/office/drawing/2014/main" id="{EB979FC6-9646-86F6-45E3-FD0C48D4FAE9}"/>
+              </a:ext>
+            </a:extLst>
+          </p:cNvPr>
+          <p:cNvSpPr txBox="1"/>
+          <p:nvPr/>
+        </p:nvSpPr>
+        <p:spPr>
+          <a:xfrm>
+            <a:off x="448734" y="722376"/>
+            <a:ext cx="8019288" cy="4513287"/>
+          </a:xfrm>
+          <a:prstGeom prst="rect">
+            <a:avLst/>
+          </a:prstGeom>
+          <a:noFill/>
+        </p:spPr>
+        <p:txBody>
+          <a:bodyPr wrap="square" rtlCol="0">
+            <a:spAutoFit/>
+          </a:bodyPr>
+          <a:lstStyle/>
+          <a:p>
+            <a:pPr marL="285750" lvl="0" indent="-285750">
+              <a:lnSpc>
+                <a:spcPct val="107000"/>
+              </a:lnSpc>
+              <a:spcAft>
+                <a:spcPts val="800"/>
+              </a:spcAft>
+              <a:buFont typeface="Arial" panose="020B0604020202020204" pitchFamily="34" charset="0"/>
+              <a:buChar char="•"/>
+            </a:pPr>
+            <a:r>
+              <a:rPr lang="en-US" kern="100" dirty="0">
+                <a:latin typeface="Calibri" panose="020F0502020204030204" pitchFamily="34" charset="0"/>
+                <a:ea typeface="Calibri" panose="020F0502020204030204" pitchFamily="34" charset="0"/>
+                <a:cs typeface="Times New Roman" panose="02020603050405020304" pitchFamily="18" charset="0"/>
+              </a:rPr>
+              <a:t>Using GitHub import repository tool over the UI</a:t>
+            </a:r>
+            <a:endParaRPr lang="en-IN" kern="100" dirty="0">
+              <a:latin typeface="Calibri" panose="020F0502020204030204" pitchFamily="34" charset="0"/>
+              <a:ea typeface="Calibri" panose="020F0502020204030204" pitchFamily="34" charset="0"/>
+              <a:cs typeface="Times New Roman" panose="02020603050405020304" pitchFamily="18" charset="0"/>
+            </a:endParaRPr>
+          </a:p>
+          <a:p>
+            <a:pPr>
+              <a:lnSpc>
+                <a:spcPct val="107000"/>
+              </a:lnSpc>
+              <a:spcAft>
+                <a:spcPts val="800"/>
+              </a:spcAft>
+            </a:pPr>
+            <a:r>
+              <a:rPr lang="en-US" kern="100" dirty="0">
+                <a:latin typeface="Calibri" panose="020F0502020204030204" pitchFamily="34" charset="0"/>
+                <a:ea typeface="Calibri" panose="020F0502020204030204" pitchFamily="34" charset="0"/>
+                <a:cs typeface="Times New Roman" panose="02020603050405020304" pitchFamily="18" charset="0"/>
+              </a:rPr>
+              <a:t>It requires:</a:t>
+            </a:r>
+            <a:endParaRPr lang="en-IN" kern="100" dirty="0">
+              <a:latin typeface="Calibri" panose="020F0502020204030204" pitchFamily="34" charset="0"/>
+              <a:ea typeface="Calibri" panose="020F0502020204030204" pitchFamily="34" charset="0"/>
+              <a:cs typeface="Times New Roman" panose="02020603050405020304" pitchFamily="18" charset="0"/>
+            </a:endParaRPr>
+          </a:p>
+          <a:p>
+            <a:pPr marL="800100" lvl="1" indent="-342900">
+              <a:lnSpc>
+                <a:spcPct val="107000"/>
+              </a:lnSpc>
+              <a:spcAft>
+                <a:spcPts val="800"/>
+              </a:spcAft>
+              <a:buFont typeface="+mj-lt"/>
+              <a:buAutoNum type="arabicPeriod"/>
+            </a:pPr>
+            <a:r>
+              <a:rPr lang="en-US" kern="100" dirty="0">
+                <a:latin typeface="Calibri" panose="020F0502020204030204" pitchFamily="34" charset="0"/>
+                <a:ea typeface="Calibri" panose="020F0502020204030204" pitchFamily="34" charset="0"/>
+                <a:cs typeface="Times New Roman" panose="02020603050405020304" pitchFamily="18" charset="0"/>
+              </a:rPr>
+              <a:t>URL of source repository (Gitlab)</a:t>
+            </a:r>
+            <a:endParaRPr lang="en-IN" kern="100" dirty="0">
+              <a:latin typeface="Calibri" panose="020F0502020204030204" pitchFamily="34" charset="0"/>
+              <a:ea typeface="Calibri" panose="020F0502020204030204" pitchFamily="34" charset="0"/>
+              <a:cs typeface="Times New Roman" panose="02020603050405020304" pitchFamily="18" charset="0"/>
+            </a:endParaRPr>
+          </a:p>
+          <a:p>
+            <a:pPr marL="800100" lvl="1" indent="-342900">
+              <a:lnSpc>
+                <a:spcPct val="107000"/>
+              </a:lnSpc>
+              <a:spcAft>
+                <a:spcPts val="800"/>
+              </a:spcAft>
+              <a:buFont typeface="+mj-lt"/>
+              <a:buAutoNum type="arabicPeriod"/>
+            </a:pPr>
+            <a:r>
+              <a:rPr lang="en-US" kern="100" dirty="0">
+                <a:latin typeface="Calibri" panose="020F0502020204030204" pitchFamily="34" charset="0"/>
+                <a:ea typeface="Calibri" panose="020F0502020204030204" pitchFamily="34" charset="0"/>
+                <a:cs typeface="Times New Roman" panose="02020603050405020304" pitchFamily="18" charset="0"/>
+              </a:rPr>
+              <a:t>credentials to read GitLab repository.</a:t>
+            </a:r>
+            <a:endParaRPr lang="en-IN" kern="100" dirty="0">
+              <a:latin typeface="Calibri" panose="020F0502020204030204" pitchFamily="34" charset="0"/>
+              <a:ea typeface="Calibri" panose="020F0502020204030204" pitchFamily="34" charset="0"/>
+              <a:cs typeface="Times New Roman" panose="02020603050405020304" pitchFamily="18" charset="0"/>
+            </a:endParaRPr>
+          </a:p>
+          <a:p>
+            <a:pPr>
+              <a:lnSpc>
+                <a:spcPct val="107000"/>
+              </a:lnSpc>
+              <a:spcAft>
+                <a:spcPts val="800"/>
+              </a:spcAft>
+            </a:pPr>
+            <a:r>
+              <a:rPr lang="en-US" kern="100" dirty="0">
+                <a:latin typeface="Calibri" panose="020F0502020204030204" pitchFamily="34" charset="0"/>
+                <a:ea typeface="Calibri" panose="020F0502020204030204" pitchFamily="34" charset="0"/>
+                <a:cs typeface="Times New Roman" panose="02020603050405020304" pitchFamily="18" charset="0"/>
+              </a:rPr>
+              <a:t>This doesn’t work when Gitlab is hosted on private network and importer tool doesn’t have access to code.</a:t>
+            </a:r>
+            <a:endParaRPr lang="en-IN" kern="100" dirty="0">
+              <a:latin typeface="Calibri" panose="020F0502020204030204" pitchFamily="34" charset="0"/>
+              <a:ea typeface="Calibri" panose="020F0502020204030204" pitchFamily="34" charset="0"/>
+              <a:cs typeface="Times New Roman" panose="02020603050405020304" pitchFamily="18" charset="0"/>
+            </a:endParaRPr>
+          </a:p>
+          <a:p>
+            <a:pPr marL="285750" lvl="0" indent="-285750">
+              <a:lnSpc>
+                <a:spcPct val="107000"/>
+              </a:lnSpc>
+              <a:spcAft>
+                <a:spcPts val="800"/>
+              </a:spcAft>
+              <a:buFont typeface="Arial" panose="020B0604020202020204" pitchFamily="34" charset="0"/>
+              <a:buChar char="•"/>
+            </a:pPr>
+            <a:r>
+              <a:rPr lang="en-US" kern="100" dirty="0">
+                <a:latin typeface="Calibri" panose="020F0502020204030204" pitchFamily="34" charset="0"/>
+                <a:ea typeface="Calibri" panose="020F0502020204030204" pitchFamily="34" charset="0"/>
+                <a:cs typeface="Times New Roman" panose="02020603050405020304" pitchFamily="18" charset="0"/>
+              </a:rPr>
+              <a:t>Using CLI</a:t>
+            </a:r>
+            <a:endParaRPr lang="en-IN" kern="100" dirty="0">
+              <a:latin typeface="Calibri" panose="020F0502020204030204" pitchFamily="34" charset="0"/>
+              <a:ea typeface="Calibri" panose="020F0502020204030204" pitchFamily="34" charset="0"/>
+              <a:cs typeface="Times New Roman" panose="02020603050405020304" pitchFamily="18" charset="0"/>
+            </a:endParaRPr>
+          </a:p>
+          <a:p>
+            <a:pPr marL="800100" lvl="2" indent="-342900">
+              <a:lnSpc>
+                <a:spcPct val="107000"/>
+              </a:lnSpc>
+              <a:spcAft>
+                <a:spcPts val="800"/>
+              </a:spcAft>
+              <a:buFont typeface="+mj-lt"/>
+              <a:buAutoNum type="arabicPeriod"/>
+            </a:pPr>
+            <a:r>
+              <a:rPr lang="en-US" kern="100" dirty="0">
+                <a:latin typeface="Calibri" panose="020F0502020204030204" pitchFamily="34" charset="0"/>
+                <a:ea typeface="Calibri" panose="020F0502020204030204" pitchFamily="34" charset="0"/>
+                <a:cs typeface="Times New Roman" panose="02020603050405020304" pitchFamily="18" charset="0"/>
+              </a:rPr>
+              <a:t>Create a new repository in GitHub with same name as GitLab</a:t>
+            </a:r>
+            <a:endParaRPr lang="en-IN" kern="100" dirty="0">
+              <a:latin typeface="Calibri" panose="020F0502020204030204" pitchFamily="34" charset="0"/>
+              <a:ea typeface="Calibri" panose="020F0502020204030204" pitchFamily="34" charset="0"/>
+              <a:cs typeface="Times New Roman" panose="02020603050405020304" pitchFamily="18" charset="0"/>
+            </a:endParaRPr>
+          </a:p>
+          <a:p>
+            <a:pPr marL="800100" lvl="2" indent="-342900">
+              <a:lnSpc>
+                <a:spcPct val="107000"/>
+              </a:lnSpc>
+              <a:spcAft>
+                <a:spcPts val="800"/>
+              </a:spcAft>
+              <a:buFont typeface="+mj-lt"/>
+              <a:buAutoNum type="arabicPeriod"/>
+            </a:pPr>
+            <a:r>
+              <a:rPr lang="en-US" kern="100" dirty="0">
+                <a:latin typeface="Calibri" panose="020F0502020204030204" pitchFamily="34" charset="0"/>
+                <a:ea typeface="Calibri" panose="020F0502020204030204" pitchFamily="34" charset="0"/>
+                <a:cs typeface="Times New Roman" panose="02020603050405020304" pitchFamily="18" charset="0"/>
+              </a:rPr>
+              <a:t>Clone the repository of GitLab into local</a:t>
+            </a:r>
+            <a:endParaRPr lang="en-IN" kern="100" dirty="0">
+              <a:latin typeface="Calibri" panose="020F0502020204030204" pitchFamily="34" charset="0"/>
+              <a:ea typeface="Calibri" panose="020F0502020204030204" pitchFamily="34" charset="0"/>
+              <a:cs typeface="Times New Roman" panose="02020603050405020304" pitchFamily="18" charset="0"/>
+            </a:endParaRPr>
+          </a:p>
+          <a:p>
+            <a:pPr marL="914400">
+              <a:lnSpc>
+                <a:spcPct val="107000"/>
+              </a:lnSpc>
+            </a:pPr>
+            <a:r>
+              <a:rPr lang="en-IN" sz="1100" b="1" kern="100" dirty="0">
+                <a:solidFill>
+                  <a:srgbClr val="666666"/>
+                </a:solidFill>
+                <a:effectLst/>
+                <a:latin typeface="Inconsolata" pitchFamily="2" charset="0"/>
+                <a:ea typeface="Calibri" panose="020F0502020204030204" pitchFamily="34" charset="0"/>
+                <a:cs typeface="Times New Roman" panose="02020603050405020304" pitchFamily="18" charset="0"/>
+              </a:rPr>
+              <a:t>git clone &lt;GitLab URL&gt;</a:t>
+            </a:r>
+            <a:endParaRPr lang="en-IN" sz="1100" b="1" kern="100" dirty="0">
+              <a:effectLst/>
+              <a:latin typeface="Calibri" panose="020F0502020204030204" pitchFamily="34" charset="0"/>
+              <a:ea typeface="Calibri" panose="020F0502020204030204" pitchFamily="34" charset="0"/>
+              <a:cs typeface="Times New Roman" panose="02020603050405020304" pitchFamily="18" charset="0"/>
+            </a:endParaRPr>
+          </a:p>
+          <a:p>
+            <a:pPr marL="914400">
+              <a:lnSpc>
+                <a:spcPct val="107000"/>
+              </a:lnSpc>
+            </a:pPr>
+            <a:r>
+              <a:rPr lang="en-IN" sz="1100" b="1" kern="100" dirty="0">
+                <a:solidFill>
+                  <a:srgbClr val="666666"/>
+                </a:solidFill>
+                <a:effectLst/>
+                <a:latin typeface="Inconsolata" pitchFamily="2" charset="0"/>
+                <a:ea typeface="Calibri" panose="020F0502020204030204" pitchFamily="34" charset="0"/>
+                <a:cs typeface="Times New Roman" panose="02020603050405020304" pitchFamily="18" charset="0"/>
+              </a:rPr>
+              <a:t>cd &lt;repo name&gt;</a:t>
+            </a:r>
+            <a:endParaRPr lang="en-IN" sz="1100" b="1" kern="100" dirty="0">
+              <a:effectLst/>
+              <a:latin typeface="Calibri" panose="020F0502020204030204" pitchFamily="34" charset="0"/>
+              <a:ea typeface="Calibri" panose="020F0502020204030204" pitchFamily="34" charset="0"/>
+              <a:cs typeface="Times New Roman" panose="02020603050405020304" pitchFamily="18" charset="0"/>
+            </a:endParaRPr>
+          </a:p>
+          <a:p>
+            <a:pPr marL="457200" lvl="2">
+              <a:lnSpc>
+                <a:spcPct val="107000"/>
+              </a:lnSpc>
+              <a:spcAft>
+                <a:spcPts val="800"/>
+              </a:spcAft>
+            </a:pPr>
+            <a:r>
+              <a:rPr lang="en-US" kern="100" dirty="0">
+                <a:latin typeface="Calibri" panose="020F0502020204030204" pitchFamily="34" charset="0"/>
+                <a:ea typeface="Calibri" panose="020F0502020204030204" pitchFamily="34" charset="0"/>
+                <a:cs typeface="Times New Roman" panose="02020603050405020304" pitchFamily="18" charset="0"/>
+              </a:rPr>
+              <a:t>3.   Push your GitLab repository to newly create GitHub repository</a:t>
+            </a:r>
+            <a:endParaRPr lang="en-IN" kern="100" dirty="0">
+              <a:latin typeface="Calibri" panose="020F0502020204030204" pitchFamily="34" charset="0"/>
+              <a:ea typeface="Calibri" panose="020F0502020204030204" pitchFamily="34" charset="0"/>
+              <a:cs typeface="Times New Roman" panose="02020603050405020304" pitchFamily="18" charset="0"/>
+            </a:endParaRPr>
+          </a:p>
+          <a:p>
+            <a:pPr marL="914400">
+              <a:lnSpc>
+                <a:spcPct val="107000"/>
+              </a:lnSpc>
+              <a:spcAft>
+                <a:spcPts val="800"/>
+              </a:spcAft>
+            </a:pPr>
+            <a:r>
+              <a:rPr lang="en-IN" sz="1100" b="1" kern="100" dirty="0">
+                <a:solidFill>
+                  <a:srgbClr val="666666"/>
+                </a:solidFill>
+                <a:effectLst/>
+                <a:latin typeface="Inconsolata" pitchFamily="2" charset="0"/>
+                <a:ea typeface="Calibri" panose="020F0502020204030204" pitchFamily="34" charset="0"/>
+                <a:cs typeface="Times New Roman" panose="02020603050405020304" pitchFamily="18" charset="0"/>
+              </a:rPr>
+              <a:t>git push –mirror &lt;GitHub URL&gt;</a:t>
+            </a:r>
+            <a:endParaRPr lang="en-IN" sz="1100" b="1" kern="100" dirty="0">
+              <a:effectLst/>
+              <a:latin typeface="Calibri" panose="020F0502020204030204" pitchFamily="34" charset="0"/>
+              <a:ea typeface="Calibri" panose="020F0502020204030204" pitchFamily="34" charset="0"/>
+              <a:cs typeface="Times New Roman" panose="02020603050405020304" pitchFamily="18" charset="0"/>
+            </a:endParaRPr>
+          </a:p>
+        </p:txBody>
+      </p:sp>
+    </p:spTree>
+    <p:extLst>
+      <p:ext uri="{BB962C8B-B14F-4D97-AF65-F5344CB8AC3E}">
+        <p14:creationId xmlns:p14="http://schemas.microsoft.com/office/powerpoint/2010/main" val="3719551151"/>
       </p:ext>
     </p:extLst>
   </p:cSld>
